--- a/final.pptx
+++ b/final.pptx
@@ -3265,7 +3265,10 @@
           <a:bodyPr/>
           <a:lstStyle/>
           <a:p>
-            <a:endParaRPr lang="en-US"/>
+            <a:r>
+              <a:rPr lang="en-US" dirty="0"/>
+              <a:t>Categorical Cluster Analysis</a:t>
+            </a:r>
           </a:p>
         </p:txBody>
       </p:sp>
@@ -3290,7 +3293,20 @@
           <a:bodyPr/>
           <a:lstStyle/>
           <a:p>
-            <a:endParaRPr lang="en-US"/>
+            <a:r>
+              <a:rPr lang="en-US" dirty="0" err="1"/>
+              <a:t>Xiaoyi</a:t>
+            </a:r>
+            <a:r>
+              <a:rPr lang="en-US" dirty="0"/>
+              <a:t> Ma</a:t>
+            </a:r>
+          </a:p>
+          <a:p>
+            <a:r>
+              <a:rPr lang="en-US" dirty="0"/>
+              <a:t>Robert Long</a:t>
+            </a:r>
           </a:p>
         </p:txBody>
       </p:sp>

--- a/final.pptx
+++ b/final.pptx
@@ -8,8 +8,8 @@
     <p:sldId id="256" r:id="rId2"/>
     <p:sldId id="258" r:id="rId3"/>
     <p:sldId id="257" r:id="rId4"/>
-    <p:sldId id="260" r:id="rId5"/>
-    <p:sldId id="259" r:id="rId6"/>
+    <p:sldId id="259" r:id="rId5"/>
+    <p:sldId id="260" r:id="rId6"/>
     <p:sldId id="261" r:id="rId7"/>
     <p:sldId id="262" r:id="rId8"/>
   </p:sldIdLst>
@@ -4458,475 +4458,6 @@
           <p:cNvPr id="2" name="Title 1">
             <a:extLst>
               <a:ext uri="{FF2B5EF4-FFF2-40B4-BE49-F238E27FC236}">
-                <a16:creationId xmlns:a16="http://schemas.microsoft.com/office/drawing/2014/main" id="{36489235-1121-4245-95A1-EE6BDF9F05A2}"/>
-              </a:ext>
-            </a:extLst>
-          </p:cNvPr>
-          <p:cNvSpPr>
-            <a:spLocks noGrp="1"/>
-          </p:cNvSpPr>
-          <p:nvPr>
-            <p:ph type="title"/>
-          </p:nvPr>
-        </p:nvSpPr>
-        <p:spPr/>
-        <p:txBody>
-          <a:bodyPr/>
-          <a:lstStyle/>
-          <a:p>
-            <a:r>
-              <a:rPr lang="en-US" dirty="0"/>
-              <a:t>Similarity Metrics</a:t>
-            </a:r>
-          </a:p>
-        </p:txBody>
-      </p:sp>
-      <mc:AlternateContent xmlns:mc="http://schemas.openxmlformats.org/markup-compatibility/2006">
-        <mc:Choice xmlns:a14="http://schemas.microsoft.com/office/drawing/2010/main" Requires="a14">
-          <p:sp>
-            <p:nvSpPr>
-              <p:cNvPr id="3" name="Content Placeholder 2">
-                <a:extLst>
-                  <a:ext uri="{FF2B5EF4-FFF2-40B4-BE49-F238E27FC236}">
-                    <a16:creationId xmlns:a16="http://schemas.microsoft.com/office/drawing/2014/main" id="{2A301FB6-2383-AE4C-9682-DA072A12337C}"/>
-                  </a:ext>
-                </a:extLst>
-              </p:cNvPr>
-              <p:cNvSpPr>
-                <a:spLocks noGrp="1"/>
-              </p:cNvSpPr>
-              <p:nvPr>
-                <p:ph idx="1"/>
-              </p:nvPr>
-            </p:nvSpPr>
-            <p:spPr>
-              <a:xfrm>
-                <a:off x="2231136" y="2638044"/>
-                <a:ext cx="4885281" cy="3101983"/>
-              </a:xfrm>
-            </p:spPr>
-            <p:txBody>
-              <a:bodyPr/>
-              <a:lstStyle/>
-              <a:p>
-                <a:r>
-                  <a:rPr lang="en-US" dirty="0"/>
-                  <a:t>Matched Proportion (similarity): </a:t>
-                </a:r>
-                <a14:m>
-                  <m:oMath xmlns:m="http://schemas.openxmlformats.org/officeDocument/2006/math">
-                    <m:f>
-                      <m:fPr>
-                        <m:ctrlPr>
-                          <a:rPr lang="en-US" i="1" smtClean="0">
-                            <a:latin typeface="Cambria Math" panose="02040503050406030204" pitchFamily="18" charset="0"/>
-                          </a:rPr>
-                        </m:ctrlPr>
-                      </m:fPr>
-                      <m:num>
-                        <m:r>
-                          <a:rPr lang="en-US" b="0" i="1" smtClean="0">
-                            <a:latin typeface="Cambria Math" panose="02040503050406030204" pitchFamily="18" charset="0"/>
-                          </a:rPr>
-                          <m:t>𝑎</m:t>
-                        </m:r>
-                        <m:r>
-                          <a:rPr lang="en-US" b="0" i="1" smtClean="0">
-                            <a:latin typeface="Cambria Math" panose="02040503050406030204" pitchFamily="18" charset="0"/>
-                          </a:rPr>
-                          <m:t>+</m:t>
-                        </m:r>
-                        <m:r>
-                          <a:rPr lang="en-US" b="0" i="1" smtClean="0">
-                            <a:latin typeface="Cambria Math" panose="02040503050406030204" pitchFamily="18" charset="0"/>
-                          </a:rPr>
-                          <m:t>𝑑</m:t>
-                        </m:r>
-                      </m:num>
-                      <m:den>
-                        <m:r>
-                          <a:rPr lang="en-US" b="0" i="1" smtClean="0">
-                            <a:latin typeface="Cambria Math" panose="02040503050406030204" pitchFamily="18" charset="0"/>
-                          </a:rPr>
-                          <m:t>𝑎</m:t>
-                        </m:r>
-                        <m:r>
-                          <a:rPr lang="en-US" b="0" i="1" smtClean="0">
-                            <a:latin typeface="Cambria Math" panose="02040503050406030204" pitchFamily="18" charset="0"/>
-                          </a:rPr>
-                          <m:t>+</m:t>
-                        </m:r>
-                        <m:r>
-                          <a:rPr lang="en-US" b="0" i="1" smtClean="0">
-                            <a:latin typeface="Cambria Math" panose="02040503050406030204" pitchFamily="18" charset="0"/>
-                          </a:rPr>
-                          <m:t>𝑏</m:t>
-                        </m:r>
-                        <m:r>
-                          <a:rPr lang="en-US" b="0" i="1" smtClean="0">
-                            <a:latin typeface="Cambria Math" panose="02040503050406030204" pitchFamily="18" charset="0"/>
-                          </a:rPr>
-                          <m:t>+</m:t>
-                        </m:r>
-                        <m:r>
-                          <a:rPr lang="en-US" b="0" i="1" smtClean="0">
-                            <a:latin typeface="Cambria Math" panose="02040503050406030204" pitchFamily="18" charset="0"/>
-                          </a:rPr>
-                          <m:t>𝑐</m:t>
-                        </m:r>
-                        <m:r>
-                          <a:rPr lang="en-US" b="0" i="1" smtClean="0">
-                            <a:latin typeface="Cambria Math" panose="02040503050406030204" pitchFamily="18" charset="0"/>
-                          </a:rPr>
-                          <m:t>+</m:t>
-                        </m:r>
-                        <m:r>
-                          <a:rPr lang="en-US" b="0" i="1" smtClean="0">
-                            <a:latin typeface="Cambria Math" panose="02040503050406030204" pitchFamily="18" charset="0"/>
-                          </a:rPr>
-                          <m:t>𝑑</m:t>
-                        </m:r>
-                      </m:den>
-                    </m:f>
-                  </m:oMath>
-                </a14:m>
-                <a:endParaRPr lang="en-US" dirty="0"/>
-              </a:p>
-              <a:p>
-                <a:r>
-                  <a:rPr lang="en-US" dirty="0"/>
-                  <a:t>Unmatched Proportion (dissimilarity): </a:t>
-                </a:r>
-                <a14:m>
-                  <m:oMath xmlns:m="http://schemas.openxmlformats.org/officeDocument/2006/math">
-                    <m:f>
-                      <m:fPr>
-                        <m:ctrlPr>
-                          <a:rPr lang="en-US" i="1">
-                            <a:latin typeface="Cambria Math" panose="02040503050406030204" pitchFamily="18" charset="0"/>
-                          </a:rPr>
-                        </m:ctrlPr>
-                      </m:fPr>
-                      <m:num>
-                        <m:r>
-                          <a:rPr lang="en-US" b="0" i="1" smtClean="0">
-                            <a:latin typeface="Cambria Math" panose="02040503050406030204" pitchFamily="18" charset="0"/>
-                          </a:rPr>
-                          <m:t>𝑏</m:t>
-                        </m:r>
-                        <m:r>
-                          <a:rPr lang="en-US" b="0" i="1" smtClean="0">
-                            <a:latin typeface="Cambria Math" panose="02040503050406030204" pitchFamily="18" charset="0"/>
-                          </a:rPr>
-                          <m:t>+</m:t>
-                        </m:r>
-                        <m:r>
-                          <a:rPr lang="en-US" b="0" i="1" smtClean="0">
-                            <a:latin typeface="Cambria Math" panose="02040503050406030204" pitchFamily="18" charset="0"/>
-                          </a:rPr>
-                          <m:t>𝑐</m:t>
-                        </m:r>
-                      </m:num>
-                      <m:den>
-                        <m:r>
-                          <a:rPr lang="en-US" i="1">
-                            <a:latin typeface="Cambria Math" panose="02040503050406030204" pitchFamily="18" charset="0"/>
-                          </a:rPr>
-                          <m:t>𝑎</m:t>
-                        </m:r>
-                        <m:r>
-                          <a:rPr lang="en-US" i="1">
-                            <a:latin typeface="Cambria Math" panose="02040503050406030204" pitchFamily="18" charset="0"/>
-                          </a:rPr>
-                          <m:t>+</m:t>
-                        </m:r>
-                        <m:r>
-                          <a:rPr lang="en-US" i="1">
-                            <a:latin typeface="Cambria Math" panose="02040503050406030204" pitchFamily="18" charset="0"/>
-                          </a:rPr>
-                          <m:t>𝑏</m:t>
-                        </m:r>
-                        <m:r>
-                          <a:rPr lang="en-US" i="1">
-                            <a:latin typeface="Cambria Math" panose="02040503050406030204" pitchFamily="18" charset="0"/>
-                          </a:rPr>
-                          <m:t>+</m:t>
-                        </m:r>
-                        <m:r>
-                          <a:rPr lang="en-US" i="1">
-                            <a:latin typeface="Cambria Math" panose="02040503050406030204" pitchFamily="18" charset="0"/>
-                          </a:rPr>
-                          <m:t>𝑐</m:t>
-                        </m:r>
-                        <m:r>
-                          <a:rPr lang="en-US" i="1">
-                            <a:latin typeface="Cambria Math" panose="02040503050406030204" pitchFamily="18" charset="0"/>
-                          </a:rPr>
-                          <m:t>+</m:t>
-                        </m:r>
-                        <m:r>
-                          <a:rPr lang="en-US" i="1">
-                            <a:latin typeface="Cambria Math" panose="02040503050406030204" pitchFamily="18" charset="0"/>
-                          </a:rPr>
-                          <m:t>𝑑</m:t>
-                        </m:r>
-                      </m:den>
-                    </m:f>
-                  </m:oMath>
-                </a14:m>
-                <a:endParaRPr lang="en-US" dirty="0"/>
-              </a:p>
-              <a:p>
-                <a:endParaRPr lang="en-US" dirty="0"/>
-              </a:p>
-              <a:p>
-                <a:r>
-                  <a:rPr lang="en-US" dirty="0"/>
-                  <a:t>Remove </a:t>
-                </a:r>
-                <a14:m>
-                  <m:oMath xmlns:m="http://schemas.openxmlformats.org/officeDocument/2006/math">
-                    <m:r>
-                      <a:rPr lang="en-US" i="1" dirty="0" smtClean="0">
-                        <a:latin typeface="Cambria Math" panose="02040503050406030204" pitchFamily="18" charset="0"/>
-                      </a:rPr>
-                      <m:t>0</m:t>
-                    </m:r>
-                  </m:oMath>
-                </a14:m>
-                <a:r>
-                  <a:rPr lang="en-US" dirty="0"/>
-                  <a:t> agreement (similarity): </a:t>
-                </a:r>
-                <a14:m>
-                  <m:oMath xmlns:m="http://schemas.openxmlformats.org/officeDocument/2006/math">
-                    <m:f>
-                      <m:fPr>
-                        <m:ctrlPr>
-                          <a:rPr lang="en-US" i="1">
-                            <a:latin typeface="Cambria Math" panose="02040503050406030204" pitchFamily="18" charset="0"/>
-                          </a:rPr>
-                        </m:ctrlPr>
-                      </m:fPr>
-                      <m:num>
-                        <m:r>
-                          <a:rPr lang="en-US" i="1">
-                            <a:latin typeface="Cambria Math" panose="02040503050406030204" pitchFamily="18" charset="0"/>
-                          </a:rPr>
-                          <m:t>𝑎</m:t>
-                        </m:r>
-                      </m:num>
-                      <m:den>
-                        <m:r>
-                          <a:rPr lang="en-US" i="1">
-                            <a:latin typeface="Cambria Math" panose="02040503050406030204" pitchFamily="18" charset="0"/>
-                          </a:rPr>
-                          <m:t>𝑎</m:t>
-                        </m:r>
-                        <m:r>
-                          <a:rPr lang="en-US" i="1">
-                            <a:latin typeface="Cambria Math" panose="02040503050406030204" pitchFamily="18" charset="0"/>
-                          </a:rPr>
-                          <m:t>+</m:t>
-                        </m:r>
-                        <m:r>
-                          <a:rPr lang="en-US" i="1">
-                            <a:latin typeface="Cambria Math" panose="02040503050406030204" pitchFamily="18" charset="0"/>
-                          </a:rPr>
-                          <m:t>𝑏</m:t>
-                        </m:r>
-                        <m:r>
-                          <a:rPr lang="en-US" i="1">
-                            <a:latin typeface="Cambria Math" panose="02040503050406030204" pitchFamily="18" charset="0"/>
-                          </a:rPr>
-                          <m:t>+</m:t>
-                        </m:r>
-                        <m:r>
-                          <a:rPr lang="en-US" b="0" i="1" smtClean="0">
-                            <a:latin typeface="Cambria Math" panose="02040503050406030204" pitchFamily="18" charset="0"/>
-                          </a:rPr>
-                          <m:t>𝑐</m:t>
-                        </m:r>
-                      </m:den>
-                    </m:f>
-                  </m:oMath>
-                </a14:m>
-                <a:endParaRPr lang="en-US" dirty="0"/>
-              </a:p>
-              <a:p>
-                <a:r>
-                  <a:rPr lang="en-US" dirty="0"/>
-                  <a:t>Remove </a:t>
-                </a:r>
-                <a14:m>
-                  <m:oMath xmlns:m="http://schemas.openxmlformats.org/officeDocument/2006/math">
-                    <m:r>
-                      <a:rPr lang="en-US" i="1" dirty="0">
-                        <a:latin typeface="Cambria Math" panose="02040503050406030204" pitchFamily="18" charset="0"/>
-                      </a:rPr>
-                      <m:t>0</m:t>
-                    </m:r>
-                  </m:oMath>
-                </a14:m>
-                <a:r>
-                  <a:rPr lang="en-US" dirty="0"/>
-                  <a:t> agreement (dissimilarity): </a:t>
-                </a:r>
-                <a14:m>
-                  <m:oMath xmlns:m="http://schemas.openxmlformats.org/officeDocument/2006/math">
-                    <m:f>
-                      <m:fPr>
-                        <m:ctrlPr>
-                          <a:rPr lang="en-US" i="1">
-                            <a:latin typeface="Cambria Math" panose="02040503050406030204" pitchFamily="18" charset="0"/>
-                          </a:rPr>
-                        </m:ctrlPr>
-                      </m:fPr>
-                      <m:num>
-                        <m:r>
-                          <a:rPr lang="en-US" b="0" i="1" smtClean="0">
-                            <a:latin typeface="Cambria Math" panose="02040503050406030204" pitchFamily="18" charset="0"/>
-                          </a:rPr>
-                          <m:t>𝑏</m:t>
-                        </m:r>
-                        <m:r>
-                          <a:rPr lang="en-US" b="0" i="1" smtClean="0">
-                            <a:latin typeface="Cambria Math" panose="02040503050406030204" pitchFamily="18" charset="0"/>
-                          </a:rPr>
-                          <m:t>+</m:t>
-                        </m:r>
-                        <m:r>
-                          <a:rPr lang="en-US" b="0" i="1" smtClean="0">
-                            <a:latin typeface="Cambria Math" panose="02040503050406030204" pitchFamily="18" charset="0"/>
-                          </a:rPr>
-                          <m:t>𝑐</m:t>
-                        </m:r>
-                      </m:num>
-                      <m:den>
-                        <m:r>
-                          <a:rPr lang="en-US" i="1">
-                            <a:latin typeface="Cambria Math" panose="02040503050406030204" pitchFamily="18" charset="0"/>
-                          </a:rPr>
-                          <m:t>𝑎</m:t>
-                        </m:r>
-                        <m:r>
-                          <a:rPr lang="en-US" i="1">
-                            <a:latin typeface="Cambria Math" panose="02040503050406030204" pitchFamily="18" charset="0"/>
-                          </a:rPr>
-                          <m:t>+</m:t>
-                        </m:r>
-                        <m:r>
-                          <a:rPr lang="en-US" i="1">
-                            <a:latin typeface="Cambria Math" panose="02040503050406030204" pitchFamily="18" charset="0"/>
-                          </a:rPr>
-                          <m:t>𝑏</m:t>
-                        </m:r>
-                        <m:r>
-                          <a:rPr lang="en-US" i="1">
-                            <a:latin typeface="Cambria Math" panose="02040503050406030204" pitchFamily="18" charset="0"/>
-                          </a:rPr>
-                          <m:t>+</m:t>
-                        </m:r>
-                        <m:r>
-                          <a:rPr lang="en-US" i="1">
-                            <a:latin typeface="Cambria Math" panose="02040503050406030204" pitchFamily="18" charset="0"/>
-                          </a:rPr>
-                          <m:t>𝑐</m:t>
-                        </m:r>
-                      </m:den>
-                    </m:f>
-                  </m:oMath>
-                </a14:m>
-                <a:endParaRPr lang="en-US" dirty="0"/>
-              </a:p>
-              <a:p>
-                <a:endParaRPr lang="en-US" dirty="0"/>
-              </a:p>
-              <a:p>
-                <a:endParaRPr lang="en-US" dirty="0"/>
-              </a:p>
-            </p:txBody>
-          </p:sp>
-        </mc:Choice>
-        <mc:Fallback>
-          <p:sp>
-            <p:nvSpPr>
-              <p:cNvPr id="3" name="Content Placeholder 2">
-                <a:extLst>
-                  <a:ext uri="{FF2B5EF4-FFF2-40B4-BE49-F238E27FC236}">
-                    <a16:creationId xmlns:a16="http://schemas.microsoft.com/office/drawing/2014/main" id="{2A301FB6-2383-AE4C-9682-DA072A12337C}"/>
-                  </a:ext>
-                </a:extLst>
-              </p:cNvPr>
-              <p:cNvSpPr>
-                <a:spLocks noGrp="1" noRot="1" noChangeAspect="1" noMove="1" noResize="1" noEditPoints="1" noAdjustHandles="1" noChangeArrowheads="1" noChangeShapeType="1" noTextEdit="1"/>
-              </p:cNvSpPr>
-              <p:nvPr>
-                <p:ph idx="1"/>
-              </p:nvPr>
-            </p:nvSpPr>
-            <p:spPr>
-              <a:xfrm>
-                <a:off x="2231136" y="2638044"/>
-                <a:ext cx="4885281" cy="3101983"/>
-              </a:xfrm>
-              <a:blipFill>
-                <a:blip r:embed="rId2"/>
-                <a:stretch>
-                  <a:fillRect l="-777"/>
-                </a:stretch>
-              </a:blipFill>
-            </p:spPr>
-            <p:txBody>
-              <a:bodyPr/>
-              <a:lstStyle/>
-              <a:p>
-                <a:r>
-                  <a:rPr lang="en-US">
-                    <a:noFill/>
-                  </a:rPr>
-                  <a:t> </a:t>
-                </a:r>
-              </a:p>
-            </p:txBody>
-          </p:sp>
-        </mc:Fallback>
-      </mc:AlternateContent>
-    </p:spTree>
-    <p:extLst>
-      <p:ext uri="{BB962C8B-B14F-4D97-AF65-F5344CB8AC3E}">
-        <p14:creationId xmlns:p14="http://schemas.microsoft.com/office/powerpoint/2010/main" val="2555141645"/>
-      </p:ext>
-    </p:extLst>
-  </p:cSld>
-  <p:clrMapOvr>
-    <a:masterClrMapping/>
-  </p:clrMapOvr>
-</p:sld>
-</file>
-
-<file path=ppt/slides/slide5.xml><?xml version="1.0" encoding="utf-8"?>
-<p:sld xmlns:a="http://schemas.openxmlformats.org/drawingml/2006/main" xmlns:r="http://schemas.openxmlformats.org/officeDocument/2006/relationships" xmlns:p="http://schemas.openxmlformats.org/presentationml/2006/main">
-  <p:cSld>
-    <p:spTree>
-      <p:nvGrpSpPr>
-        <p:cNvPr id="1" name=""/>
-        <p:cNvGrpSpPr/>
-        <p:nvPr/>
-      </p:nvGrpSpPr>
-      <p:grpSpPr>
-        <a:xfrm>
-          <a:off x="0" y="0"/>
-          <a:ext cx="0" cy="0"/>
-          <a:chOff x="0" y="0"/>
-          <a:chExt cx="0" cy="0"/>
-        </a:xfrm>
-      </p:grpSpPr>
-      <p:sp>
-        <p:nvSpPr>
-          <p:cNvPr id="2" name="Title 1">
-            <a:extLst>
-              <a:ext uri="{FF2B5EF4-FFF2-40B4-BE49-F238E27FC236}">
                 <a16:creationId xmlns:a16="http://schemas.microsoft.com/office/drawing/2014/main" id="{81C97CE6-0DA2-EC4F-8B07-275C3E988ECB}"/>
               </a:ext>
             </a:extLst>
@@ -5702,6 +5233,475 @@
 </p:sld>
 </file>
 
+<file path=ppt/slides/slide5.xml><?xml version="1.0" encoding="utf-8"?>
+<p:sld xmlns:a="http://schemas.openxmlformats.org/drawingml/2006/main" xmlns:r="http://schemas.openxmlformats.org/officeDocument/2006/relationships" xmlns:p="http://schemas.openxmlformats.org/presentationml/2006/main">
+  <p:cSld>
+    <p:spTree>
+      <p:nvGrpSpPr>
+        <p:cNvPr id="1" name=""/>
+        <p:cNvGrpSpPr/>
+        <p:nvPr/>
+      </p:nvGrpSpPr>
+      <p:grpSpPr>
+        <a:xfrm>
+          <a:off x="0" y="0"/>
+          <a:ext cx="0" cy="0"/>
+          <a:chOff x="0" y="0"/>
+          <a:chExt cx="0" cy="0"/>
+        </a:xfrm>
+      </p:grpSpPr>
+      <p:sp>
+        <p:nvSpPr>
+          <p:cNvPr id="2" name="Title 1">
+            <a:extLst>
+              <a:ext uri="{FF2B5EF4-FFF2-40B4-BE49-F238E27FC236}">
+                <a16:creationId xmlns:a16="http://schemas.microsoft.com/office/drawing/2014/main" id="{36489235-1121-4245-95A1-EE6BDF9F05A2}"/>
+              </a:ext>
+            </a:extLst>
+          </p:cNvPr>
+          <p:cNvSpPr>
+            <a:spLocks noGrp="1"/>
+          </p:cNvSpPr>
+          <p:nvPr>
+            <p:ph type="title"/>
+          </p:nvPr>
+        </p:nvSpPr>
+        <p:spPr/>
+        <p:txBody>
+          <a:bodyPr/>
+          <a:lstStyle/>
+          <a:p>
+            <a:r>
+              <a:rPr lang="en-US" dirty="0"/>
+              <a:t>Similarity Metrics</a:t>
+            </a:r>
+          </a:p>
+        </p:txBody>
+      </p:sp>
+      <mc:AlternateContent xmlns:mc="http://schemas.openxmlformats.org/markup-compatibility/2006">
+        <mc:Choice xmlns:a14="http://schemas.microsoft.com/office/drawing/2010/main" Requires="a14">
+          <p:sp>
+            <p:nvSpPr>
+              <p:cNvPr id="3" name="Content Placeholder 2">
+                <a:extLst>
+                  <a:ext uri="{FF2B5EF4-FFF2-40B4-BE49-F238E27FC236}">
+                    <a16:creationId xmlns:a16="http://schemas.microsoft.com/office/drawing/2014/main" id="{2A301FB6-2383-AE4C-9682-DA072A12337C}"/>
+                  </a:ext>
+                </a:extLst>
+              </p:cNvPr>
+              <p:cNvSpPr>
+                <a:spLocks noGrp="1"/>
+              </p:cNvSpPr>
+              <p:nvPr>
+                <p:ph idx="1"/>
+              </p:nvPr>
+            </p:nvSpPr>
+            <p:spPr>
+              <a:xfrm>
+                <a:off x="2231136" y="2638044"/>
+                <a:ext cx="4885281" cy="3101983"/>
+              </a:xfrm>
+            </p:spPr>
+            <p:txBody>
+              <a:bodyPr/>
+              <a:lstStyle/>
+              <a:p>
+                <a:r>
+                  <a:rPr lang="en-US" dirty="0"/>
+                  <a:t>Matched Proportion (similarity): </a:t>
+                </a:r>
+                <a14:m>
+                  <m:oMath xmlns:m="http://schemas.openxmlformats.org/officeDocument/2006/math">
+                    <m:f>
+                      <m:fPr>
+                        <m:ctrlPr>
+                          <a:rPr lang="en-US" i="1" smtClean="0">
+                            <a:latin typeface="Cambria Math" panose="02040503050406030204" pitchFamily="18" charset="0"/>
+                          </a:rPr>
+                        </m:ctrlPr>
+                      </m:fPr>
+                      <m:num>
+                        <m:r>
+                          <a:rPr lang="en-US" b="0" i="1" smtClean="0">
+                            <a:latin typeface="Cambria Math" panose="02040503050406030204" pitchFamily="18" charset="0"/>
+                          </a:rPr>
+                          <m:t>𝑎</m:t>
+                        </m:r>
+                        <m:r>
+                          <a:rPr lang="en-US" b="0" i="1" smtClean="0">
+                            <a:latin typeface="Cambria Math" panose="02040503050406030204" pitchFamily="18" charset="0"/>
+                          </a:rPr>
+                          <m:t>+</m:t>
+                        </m:r>
+                        <m:r>
+                          <a:rPr lang="en-US" b="0" i="1" smtClean="0">
+                            <a:latin typeface="Cambria Math" panose="02040503050406030204" pitchFamily="18" charset="0"/>
+                          </a:rPr>
+                          <m:t>𝑑</m:t>
+                        </m:r>
+                      </m:num>
+                      <m:den>
+                        <m:r>
+                          <a:rPr lang="en-US" b="0" i="1" smtClean="0">
+                            <a:latin typeface="Cambria Math" panose="02040503050406030204" pitchFamily="18" charset="0"/>
+                          </a:rPr>
+                          <m:t>𝑎</m:t>
+                        </m:r>
+                        <m:r>
+                          <a:rPr lang="en-US" b="0" i="1" smtClean="0">
+                            <a:latin typeface="Cambria Math" panose="02040503050406030204" pitchFamily="18" charset="0"/>
+                          </a:rPr>
+                          <m:t>+</m:t>
+                        </m:r>
+                        <m:r>
+                          <a:rPr lang="en-US" b="0" i="1" smtClean="0">
+                            <a:latin typeface="Cambria Math" panose="02040503050406030204" pitchFamily="18" charset="0"/>
+                          </a:rPr>
+                          <m:t>𝑏</m:t>
+                        </m:r>
+                        <m:r>
+                          <a:rPr lang="en-US" b="0" i="1" smtClean="0">
+                            <a:latin typeface="Cambria Math" panose="02040503050406030204" pitchFamily="18" charset="0"/>
+                          </a:rPr>
+                          <m:t>+</m:t>
+                        </m:r>
+                        <m:r>
+                          <a:rPr lang="en-US" b="0" i="1" smtClean="0">
+                            <a:latin typeface="Cambria Math" panose="02040503050406030204" pitchFamily="18" charset="0"/>
+                          </a:rPr>
+                          <m:t>𝑐</m:t>
+                        </m:r>
+                        <m:r>
+                          <a:rPr lang="en-US" b="0" i="1" smtClean="0">
+                            <a:latin typeface="Cambria Math" panose="02040503050406030204" pitchFamily="18" charset="0"/>
+                          </a:rPr>
+                          <m:t>+</m:t>
+                        </m:r>
+                        <m:r>
+                          <a:rPr lang="en-US" b="0" i="1" smtClean="0">
+                            <a:latin typeface="Cambria Math" panose="02040503050406030204" pitchFamily="18" charset="0"/>
+                          </a:rPr>
+                          <m:t>𝑑</m:t>
+                        </m:r>
+                      </m:den>
+                    </m:f>
+                  </m:oMath>
+                </a14:m>
+                <a:endParaRPr lang="en-US" dirty="0"/>
+              </a:p>
+              <a:p>
+                <a:r>
+                  <a:rPr lang="en-US" dirty="0"/>
+                  <a:t>Unmatched Proportion (dissimilarity): </a:t>
+                </a:r>
+                <a14:m>
+                  <m:oMath xmlns:m="http://schemas.openxmlformats.org/officeDocument/2006/math">
+                    <m:f>
+                      <m:fPr>
+                        <m:ctrlPr>
+                          <a:rPr lang="en-US" i="1">
+                            <a:latin typeface="Cambria Math" panose="02040503050406030204" pitchFamily="18" charset="0"/>
+                          </a:rPr>
+                        </m:ctrlPr>
+                      </m:fPr>
+                      <m:num>
+                        <m:r>
+                          <a:rPr lang="en-US" b="0" i="1" smtClean="0">
+                            <a:latin typeface="Cambria Math" panose="02040503050406030204" pitchFamily="18" charset="0"/>
+                          </a:rPr>
+                          <m:t>𝑏</m:t>
+                        </m:r>
+                        <m:r>
+                          <a:rPr lang="en-US" b="0" i="1" smtClean="0">
+                            <a:latin typeface="Cambria Math" panose="02040503050406030204" pitchFamily="18" charset="0"/>
+                          </a:rPr>
+                          <m:t>+</m:t>
+                        </m:r>
+                        <m:r>
+                          <a:rPr lang="en-US" b="0" i="1" smtClean="0">
+                            <a:latin typeface="Cambria Math" panose="02040503050406030204" pitchFamily="18" charset="0"/>
+                          </a:rPr>
+                          <m:t>𝑐</m:t>
+                        </m:r>
+                      </m:num>
+                      <m:den>
+                        <m:r>
+                          <a:rPr lang="en-US" i="1">
+                            <a:latin typeface="Cambria Math" panose="02040503050406030204" pitchFamily="18" charset="0"/>
+                          </a:rPr>
+                          <m:t>𝑎</m:t>
+                        </m:r>
+                        <m:r>
+                          <a:rPr lang="en-US" i="1">
+                            <a:latin typeface="Cambria Math" panose="02040503050406030204" pitchFamily="18" charset="0"/>
+                          </a:rPr>
+                          <m:t>+</m:t>
+                        </m:r>
+                        <m:r>
+                          <a:rPr lang="en-US" i="1">
+                            <a:latin typeface="Cambria Math" panose="02040503050406030204" pitchFamily="18" charset="0"/>
+                          </a:rPr>
+                          <m:t>𝑏</m:t>
+                        </m:r>
+                        <m:r>
+                          <a:rPr lang="en-US" i="1">
+                            <a:latin typeface="Cambria Math" panose="02040503050406030204" pitchFamily="18" charset="0"/>
+                          </a:rPr>
+                          <m:t>+</m:t>
+                        </m:r>
+                        <m:r>
+                          <a:rPr lang="en-US" i="1">
+                            <a:latin typeface="Cambria Math" panose="02040503050406030204" pitchFamily="18" charset="0"/>
+                          </a:rPr>
+                          <m:t>𝑐</m:t>
+                        </m:r>
+                        <m:r>
+                          <a:rPr lang="en-US" i="1">
+                            <a:latin typeface="Cambria Math" panose="02040503050406030204" pitchFamily="18" charset="0"/>
+                          </a:rPr>
+                          <m:t>+</m:t>
+                        </m:r>
+                        <m:r>
+                          <a:rPr lang="en-US" i="1">
+                            <a:latin typeface="Cambria Math" panose="02040503050406030204" pitchFamily="18" charset="0"/>
+                          </a:rPr>
+                          <m:t>𝑑</m:t>
+                        </m:r>
+                      </m:den>
+                    </m:f>
+                  </m:oMath>
+                </a14:m>
+                <a:endParaRPr lang="en-US" dirty="0"/>
+              </a:p>
+              <a:p>
+                <a:endParaRPr lang="en-US" dirty="0"/>
+              </a:p>
+              <a:p>
+                <a:r>
+                  <a:rPr lang="en-US" dirty="0"/>
+                  <a:t>Remove </a:t>
+                </a:r>
+                <a14:m>
+                  <m:oMath xmlns:m="http://schemas.openxmlformats.org/officeDocument/2006/math">
+                    <m:r>
+                      <a:rPr lang="en-US" i="1" dirty="0" smtClean="0">
+                        <a:latin typeface="Cambria Math" panose="02040503050406030204" pitchFamily="18" charset="0"/>
+                      </a:rPr>
+                      <m:t>0</m:t>
+                    </m:r>
+                  </m:oMath>
+                </a14:m>
+                <a:r>
+                  <a:rPr lang="en-US" dirty="0"/>
+                  <a:t> agreement (similarity): </a:t>
+                </a:r>
+                <a14:m>
+                  <m:oMath xmlns:m="http://schemas.openxmlformats.org/officeDocument/2006/math">
+                    <m:f>
+                      <m:fPr>
+                        <m:ctrlPr>
+                          <a:rPr lang="en-US" i="1">
+                            <a:latin typeface="Cambria Math" panose="02040503050406030204" pitchFamily="18" charset="0"/>
+                          </a:rPr>
+                        </m:ctrlPr>
+                      </m:fPr>
+                      <m:num>
+                        <m:r>
+                          <a:rPr lang="en-US" i="1">
+                            <a:latin typeface="Cambria Math" panose="02040503050406030204" pitchFamily="18" charset="0"/>
+                          </a:rPr>
+                          <m:t>𝑎</m:t>
+                        </m:r>
+                      </m:num>
+                      <m:den>
+                        <m:r>
+                          <a:rPr lang="en-US" i="1">
+                            <a:latin typeface="Cambria Math" panose="02040503050406030204" pitchFamily="18" charset="0"/>
+                          </a:rPr>
+                          <m:t>𝑎</m:t>
+                        </m:r>
+                        <m:r>
+                          <a:rPr lang="en-US" i="1">
+                            <a:latin typeface="Cambria Math" panose="02040503050406030204" pitchFamily="18" charset="0"/>
+                          </a:rPr>
+                          <m:t>+</m:t>
+                        </m:r>
+                        <m:r>
+                          <a:rPr lang="en-US" i="1">
+                            <a:latin typeface="Cambria Math" panose="02040503050406030204" pitchFamily="18" charset="0"/>
+                          </a:rPr>
+                          <m:t>𝑏</m:t>
+                        </m:r>
+                        <m:r>
+                          <a:rPr lang="en-US" i="1">
+                            <a:latin typeface="Cambria Math" panose="02040503050406030204" pitchFamily="18" charset="0"/>
+                          </a:rPr>
+                          <m:t>+</m:t>
+                        </m:r>
+                        <m:r>
+                          <a:rPr lang="en-US" b="0" i="1" smtClean="0">
+                            <a:latin typeface="Cambria Math" panose="02040503050406030204" pitchFamily="18" charset="0"/>
+                          </a:rPr>
+                          <m:t>𝑐</m:t>
+                        </m:r>
+                      </m:den>
+                    </m:f>
+                  </m:oMath>
+                </a14:m>
+                <a:endParaRPr lang="en-US" dirty="0"/>
+              </a:p>
+              <a:p>
+                <a:r>
+                  <a:rPr lang="en-US" dirty="0"/>
+                  <a:t>Remove </a:t>
+                </a:r>
+                <a14:m>
+                  <m:oMath xmlns:m="http://schemas.openxmlformats.org/officeDocument/2006/math">
+                    <m:r>
+                      <a:rPr lang="en-US" i="1" dirty="0">
+                        <a:latin typeface="Cambria Math" panose="02040503050406030204" pitchFamily="18" charset="0"/>
+                      </a:rPr>
+                      <m:t>0</m:t>
+                    </m:r>
+                  </m:oMath>
+                </a14:m>
+                <a:r>
+                  <a:rPr lang="en-US" dirty="0"/>
+                  <a:t> agreement (dissimilarity): </a:t>
+                </a:r>
+                <a14:m>
+                  <m:oMath xmlns:m="http://schemas.openxmlformats.org/officeDocument/2006/math">
+                    <m:f>
+                      <m:fPr>
+                        <m:ctrlPr>
+                          <a:rPr lang="en-US" i="1">
+                            <a:latin typeface="Cambria Math" panose="02040503050406030204" pitchFamily="18" charset="0"/>
+                          </a:rPr>
+                        </m:ctrlPr>
+                      </m:fPr>
+                      <m:num>
+                        <m:r>
+                          <a:rPr lang="en-US" b="0" i="1" smtClean="0">
+                            <a:latin typeface="Cambria Math" panose="02040503050406030204" pitchFamily="18" charset="0"/>
+                          </a:rPr>
+                          <m:t>𝑏</m:t>
+                        </m:r>
+                        <m:r>
+                          <a:rPr lang="en-US" b="0" i="1" smtClean="0">
+                            <a:latin typeface="Cambria Math" panose="02040503050406030204" pitchFamily="18" charset="0"/>
+                          </a:rPr>
+                          <m:t>+</m:t>
+                        </m:r>
+                        <m:r>
+                          <a:rPr lang="en-US" b="0" i="1" smtClean="0">
+                            <a:latin typeface="Cambria Math" panose="02040503050406030204" pitchFamily="18" charset="0"/>
+                          </a:rPr>
+                          <m:t>𝑐</m:t>
+                        </m:r>
+                      </m:num>
+                      <m:den>
+                        <m:r>
+                          <a:rPr lang="en-US" i="1">
+                            <a:latin typeface="Cambria Math" panose="02040503050406030204" pitchFamily="18" charset="0"/>
+                          </a:rPr>
+                          <m:t>𝑎</m:t>
+                        </m:r>
+                        <m:r>
+                          <a:rPr lang="en-US" i="1">
+                            <a:latin typeface="Cambria Math" panose="02040503050406030204" pitchFamily="18" charset="0"/>
+                          </a:rPr>
+                          <m:t>+</m:t>
+                        </m:r>
+                        <m:r>
+                          <a:rPr lang="en-US" i="1">
+                            <a:latin typeface="Cambria Math" panose="02040503050406030204" pitchFamily="18" charset="0"/>
+                          </a:rPr>
+                          <m:t>𝑏</m:t>
+                        </m:r>
+                        <m:r>
+                          <a:rPr lang="en-US" i="1">
+                            <a:latin typeface="Cambria Math" panose="02040503050406030204" pitchFamily="18" charset="0"/>
+                          </a:rPr>
+                          <m:t>+</m:t>
+                        </m:r>
+                        <m:r>
+                          <a:rPr lang="en-US" i="1">
+                            <a:latin typeface="Cambria Math" panose="02040503050406030204" pitchFamily="18" charset="0"/>
+                          </a:rPr>
+                          <m:t>𝑐</m:t>
+                        </m:r>
+                      </m:den>
+                    </m:f>
+                  </m:oMath>
+                </a14:m>
+                <a:endParaRPr lang="en-US" dirty="0"/>
+              </a:p>
+              <a:p>
+                <a:endParaRPr lang="en-US" dirty="0"/>
+              </a:p>
+              <a:p>
+                <a:endParaRPr lang="en-US" dirty="0"/>
+              </a:p>
+            </p:txBody>
+          </p:sp>
+        </mc:Choice>
+        <mc:Fallback>
+          <p:sp>
+            <p:nvSpPr>
+              <p:cNvPr id="3" name="Content Placeholder 2">
+                <a:extLst>
+                  <a:ext uri="{FF2B5EF4-FFF2-40B4-BE49-F238E27FC236}">
+                    <a16:creationId xmlns:a16="http://schemas.microsoft.com/office/drawing/2014/main" id="{2A301FB6-2383-AE4C-9682-DA072A12337C}"/>
+                  </a:ext>
+                </a:extLst>
+              </p:cNvPr>
+              <p:cNvSpPr>
+                <a:spLocks noGrp="1" noRot="1" noChangeAspect="1" noMove="1" noResize="1" noEditPoints="1" noAdjustHandles="1" noChangeArrowheads="1" noChangeShapeType="1" noTextEdit="1"/>
+              </p:cNvSpPr>
+              <p:nvPr>
+                <p:ph idx="1"/>
+              </p:nvPr>
+            </p:nvSpPr>
+            <p:spPr>
+              <a:xfrm>
+                <a:off x="2231136" y="2638044"/>
+                <a:ext cx="4885281" cy="3101983"/>
+              </a:xfrm>
+              <a:blipFill>
+                <a:blip r:embed="rId2"/>
+                <a:stretch>
+                  <a:fillRect l="-777"/>
+                </a:stretch>
+              </a:blipFill>
+            </p:spPr>
+            <p:txBody>
+              <a:bodyPr/>
+              <a:lstStyle/>
+              <a:p>
+                <a:r>
+                  <a:rPr lang="en-US">
+                    <a:noFill/>
+                  </a:rPr>
+                  <a:t> </a:t>
+                </a:r>
+              </a:p>
+            </p:txBody>
+          </p:sp>
+        </mc:Fallback>
+      </mc:AlternateContent>
+    </p:spTree>
+    <p:extLst>
+      <p:ext uri="{BB962C8B-B14F-4D97-AF65-F5344CB8AC3E}">
+        <p14:creationId xmlns:p14="http://schemas.microsoft.com/office/powerpoint/2010/main" val="2555141645"/>
+      </p:ext>
+    </p:extLst>
+  </p:cSld>
+  <p:clrMapOvr>
+    <a:masterClrMapping/>
+  </p:clrMapOvr>
+</p:sld>
+</file>
+
 <file path=ppt/slides/slide6.xml><?xml version="1.0" encoding="utf-8"?>
 <p:sld xmlns:a="http://schemas.openxmlformats.org/drawingml/2006/main" xmlns:r="http://schemas.openxmlformats.org/officeDocument/2006/relationships" xmlns:p="http://schemas.openxmlformats.org/presentationml/2006/main">
   <p:cSld>

--- a/final.pptx
+++ b/final.pptx
@@ -6,12 +6,14 @@
   </p:sldMasterIdLst>
   <p:sldIdLst>
     <p:sldId id="256" r:id="rId2"/>
-    <p:sldId id="258" r:id="rId3"/>
-    <p:sldId id="257" r:id="rId4"/>
-    <p:sldId id="259" r:id="rId5"/>
-    <p:sldId id="260" r:id="rId6"/>
-    <p:sldId id="261" r:id="rId7"/>
-    <p:sldId id="262" r:id="rId8"/>
+    <p:sldId id="263" r:id="rId3"/>
+    <p:sldId id="264" r:id="rId4"/>
+    <p:sldId id="258" r:id="rId5"/>
+    <p:sldId id="257" r:id="rId6"/>
+    <p:sldId id="259" r:id="rId7"/>
+    <p:sldId id="260" r:id="rId8"/>
+    <p:sldId id="261" r:id="rId9"/>
+    <p:sldId id="262" r:id="rId10"/>
   </p:sldIdLst>
   <p:sldSz cx="12192000" cy="6858000"/>
   <p:notesSz cx="6858000" cy="9144000"/>
@@ -3345,6 +3347,346 @@
           <p:cNvPr id="2" name="Title 1">
             <a:extLst>
               <a:ext uri="{FF2B5EF4-FFF2-40B4-BE49-F238E27FC236}">
+                <a16:creationId xmlns:a16="http://schemas.microsoft.com/office/drawing/2014/main" id="{764E58DC-9602-6E46-9F2C-5B3F65A77A56}"/>
+              </a:ext>
+            </a:extLst>
+          </p:cNvPr>
+          <p:cNvSpPr>
+            <a:spLocks noGrp="1"/>
+          </p:cNvSpPr>
+          <p:nvPr>
+            <p:ph type="title"/>
+          </p:nvPr>
+        </p:nvSpPr>
+        <p:spPr/>
+        <p:txBody>
+          <a:bodyPr/>
+          <a:lstStyle/>
+          <a:p>
+            <a:r>
+              <a:rPr lang="en-US" dirty="0"/>
+              <a:t>Previously...</a:t>
+            </a:r>
+          </a:p>
+        </p:txBody>
+      </p:sp>
+      <mc:AlternateContent xmlns:mc="http://schemas.openxmlformats.org/markup-compatibility/2006">
+        <mc:Choice xmlns:a14="http://schemas.microsoft.com/office/drawing/2010/main" Requires="a14">
+          <p:sp>
+            <p:nvSpPr>
+              <p:cNvPr id="3" name="Content Placeholder 2">
+                <a:extLst>
+                  <a:ext uri="{FF2B5EF4-FFF2-40B4-BE49-F238E27FC236}">
+                    <a16:creationId xmlns:a16="http://schemas.microsoft.com/office/drawing/2014/main" id="{757C6DD4-9540-BE47-9687-F75E205A0FA9}"/>
+                  </a:ext>
+                </a:extLst>
+              </p:cNvPr>
+              <p:cNvSpPr>
+                <a:spLocks noGrp="1"/>
+              </p:cNvSpPr>
+              <p:nvPr>
+                <p:ph idx="1"/>
+              </p:nvPr>
+            </p:nvSpPr>
+            <p:spPr/>
+            <p:txBody>
+              <a:bodyPr/>
+              <a:lstStyle/>
+              <a:p>
+                <a:r>
+                  <a:rPr lang="en-US" dirty="0"/>
+                  <a:t>Clusters clearly defined (subject </a:t>
+                </a:r>
+                <a14:m>
+                  <m:oMath xmlns:m="http://schemas.openxmlformats.org/officeDocument/2006/math">
+                    <m:r>
+                      <a:rPr lang="en-US" i="1" dirty="0" smtClean="0">
+                        <a:latin typeface="Cambria Math" panose="02040503050406030204" pitchFamily="18" charset="0"/>
+                      </a:rPr>
+                      <m:t>𝑖</m:t>
+                    </m:r>
+                  </m:oMath>
+                </a14:m>
+                <a:r>
+                  <a:rPr lang="en-US" dirty="0"/>
+                  <a:t>)</a:t>
+                </a:r>
+              </a:p>
+              <a:p>
+                <a:r>
+                  <a:rPr lang="en-US" dirty="0"/>
+                  <a:t>Explanatory vs outcome also clearly defined</a:t>
+                </a:r>
+              </a:p>
+              <a:p>
+                <a:r>
+                  <a:rPr lang="en-US" dirty="0"/>
+                  <a:t>Euclidean distances make sense</a:t>
+                </a:r>
+              </a:p>
+            </p:txBody>
+          </p:sp>
+        </mc:Choice>
+        <mc:Fallback>
+          <p:sp>
+            <p:nvSpPr>
+              <p:cNvPr id="3" name="Content Placeholder 2">
+                <a:extLst>
+                  <a:ext uri="{FF2B5EF4-FFF2-40B4-BE49-F238E27FC236}">
+                    <a16:creationId xmlns:a16="http://schemas.microsoft.com/office/drawing/2014/main" id="{757C6DD4-9540-BE47-9687-F75E205A0FA9}"/>
+                  </a:ext>
+                </a:extLst>
+              </p:cNvPr>
+              <p:cNvSpPr>
+                <a:spLocks noGrp="1" noRot="1" noChangeAspect="1" noMove="1" noResize="1" noEditPoints="1" noAdjustHandles="1" noChangeArrowheads="1" noChangeShapeType="1" noTextEdit="1"/>
+              </p:cNvSpPr>
+              <p:nvPr>
+                <p:ph idx="1"/>
+              </p:nvPr>
+            </p:nvSpPr>
+            <p:spPr>
+              <a:blipFill>
+                <a:blip r:embed="rId2"/>
+                <a:stretch>
+                  <a:fillRect l="-492" t="-813"/>
+                </a:stretch>
+              </a:blipFill>
+            </p:spPr>
+            <p:txBody>
+              <a:bodyPr/>
+              <a:lstStyle/>
+              <a:p>
+                <a:r>
+                  <a:rPr lang="en-US">
+                    <a:noFill/>
+                  </a:rPr>
+                  <a:t> </a:t>
+                </a:r>
+              </a:p>
+            </p:txBody>
+          </p:sp>
+        </mc:Fallback>
+      </mc:AlternateContent>
+    </p:spTree>
+    <p:extLst>
+      <p:ext uri="{BB962C8B-B14F-4D97-AF65-F5344CB8AC3E}">
+        <p14:creationId xmlns:p14="http://schemas.microsoft.com/office/powerpoint/2010/main" val="2132440028"/>
+      </p:ext>
+    </p:extLst>
+  </p:cSld>
+  <p:clrMapOvr>
+    <a:masterClrMapping/>
+  </p:clrMapOvr>
+</p:sld>
+</file>
+
+<file path=ppt/slides/slide3.xml><?xml version="1.0" encoding="utf-8"?>
+<p:sld xmlns:a="http://schemas.openxmlformats.org/drawingml/2006/main" xmlns:r="http://schemas.openxmlformats.org/officeDocument/2006/relationships" xmlns:p="http://schemas.openxmlformats.org/presentationml/2006/main">
+  <p:cSld>
+    <p:spTree>
+      <p:nvGrpSpPr>
+        <p:cNvPr id="1" name=""/>
+        <p:cNvGrpSpPr/>
+        <p:nvPr/>
+      </p:nvGrpSpPr>
+      <p:grpSpPr>
+        <a:xfrm>
+          <a:off x="0" y="0"/>
+          <a:ext cx="0" cy="0"/>
+          <a:chOff x="0" y="0"/>
+          <a:chExt cx="0" cy="0"/>
+        </a:xfrm>
+      </p:grpSpPr>
+      <p:sp>
+        <p:nvSpPr>
+          <p:cNvPr id="2" name="Title 1">
+            <a:extLst>
+              <a:ext uri="{FF2B5EF4-FFF2-40B4-BE49-F238E27FC236}">
+                <a16:creationId xmlns:a16="http://schemas.microsoft.com/office/drawing/2014/main" id="{9C1AE006-95FE-8D47-84A8-6FF6E3E52FE7}"/>
+              </a:ext>
+            </a:extLst>
+          </p:cNvPr>
+          <p:cNvSpPr>
+            <a:spLocks noGrp="1"/>
+          </p:cNvSpPr>
+          <p:nvPr>
+            <p:ph type="title"/>
+          </p:nvPr>
+        </p:nvSpPr>
+        <p:spPr/>
+        <p:txBody>
+          <a:bodyPr/>
+          <a:lstStyle/>
+          <a:p>
+            <a:r>
+              <a:rPr lang="en-US" dirty="0"/>
+              <a:t>Now…</a:t>
+            </a:r>
+          </a:p>
+        </p:txBody>
+      </p:sp>
+      <mc:AlternateContent xmlns:mc="http://schemas.openxmlformats.org/markup-compatibility/2006">
+        <mc:Choice xmlns:a14="http://schemas.microsoft.com/office/drawing/2010/main" Requires="a14">
+          <p:sp>
+            <p:nvSpPr>
+              <p:cNvPr id="3" name="Content Placeholder 2">
+                <a:extLst>
+                  <a:ext uri="{FF2B5EF4-FFF2-40B4-BE49-F238E27FC236}">
+                    <a16:creationId xmlns:a16="http://schemas.microsoft.com/office/drawing/2014/main" id="{AE22B99B-8BBE-5344-BE05-B348723C14E8}"/>
+                  </a:ext>
+                </a:extLst>
+              </p:cNvPr>
+              <p:cNvSpPr>
+                <a:spLocks noGrp="1"/>
+              </p:cNvSpPr>
+              <p:nvPr>
+                <p:ph idx="1"/>
+              </p:nvPr>
+            </p:nvSpPr>
+            <p:spPr/>
+            <p:txBody>
+              <a:bodyPr/>
+              <a:lstStyle/>
+              <a:p>
+                <a:r>
+                  <a:rPr lang="en-US" dirty="0"/>
+                  <a:t>Identify the clusters</a:t>
+                </a:r>
+              </a:p>
+              <a:p>
+                <a:pPr lvl="1"/>
+                <a14:m>
+                  <m:oMath xmlns:m="http://schemas.openxmlformats.org/officeDocument/2006/math">
+                    <m:r>
+                      <a:rPr lang="en-US" i="1" dirty="0" smtClean="0">
+                        <a:latin typeface="Cambria Math" panose="02040503050406030204" pitchFamily="18" charset="0"/>
+                      </a:rPr>
+                      <m:t>𝑘</m:t>
+                    </m:r>
+                  </m:oMath>
+                </a14:m>
+                <a:r>
+                  <a:rPr lang="en-US" dirty="0"/>
+                  <a:t> clusters</a:t>
+                </a:r>
+              </a:p>
+              <a:p>
+                <a:pPr lvl="1"/>
+                <a:r>
+                  <a:rPr lang="en-US" dirty="0"/>
+                  <a:t>The data decides</a:t>
+                </a:r>
+              </a:p>
+              <a:p>
+                <a:r>
+                  <a:rPr lang="en-US" dirty="0"/>
+                  <a:t>Explanatory vs outcome not necessarily clear</a:t>
+                </a:r>
+              </a:p>
+              <a:p>
+                <a:r>
+                  <a:rPr lang="en-US" dirty="0"/>
+                  <a:t>Difference measurements between categorical variables (dummy variables)</a:t>
+                </a:r>
+              </a:p>
+              <a:p>
+                <a:r>
+                  <a:rPr lang="en-US" dirty="0"/>
+                  <a:t> </a:t>
+                </a:r>
+                <a14:m>
+                  <m:oMath xmlns:m="http://schemas.openxmlformats.org/officeDocument/2006/math">
+                    <m:r>
+                      <a:rPr lang="en-US" i="1" dirty="0" smtClean="0">
+                        <a:latin typeface="Cambria Math" panose="02040503050406030204" pitchFamily="18" charset="0"/>
+                      </a:rPr>
+                      <m:t>𝑝</m:t>
+                    </m:r>
+                  </m:oMath>
+                </a14:m>
+                <a:r>
+                  <a:rPr lang="en-US" dirty="0"/>
+                  <a:t> binary variables</a:t>
+                </a:r>
+              </a:p>
+            </p:txBody>
+          </p:sp>
+        </mc:Choice>
+        <mc:Fallback>
+          <p:sp>
+            <p:nvSpPr>
+              <p:cNvPr id="3" name="Content Placeholder 2">
+                <a:extLst>
+                  <a:ext uri="{FF2B5EF4-FFF2-40B4-BE49-F238E27FC236}">
+                    <a16:creationId xmlns:a16="http://schemas.microsoft.com/office/drawing/2014/main" id="{AE22B99B-8BBE-5344-BE05-B348723C14E8}"/>
+                  </a:ext>
+                </a:extLst>
+              </p:cNvPr>
+              <p:cNvSpPr>
+                <a:spLocks noGrp="1" noRot="1" noChangeAspect="1" noMove="1" noResize="1" noEditPoints="1" noAdjustHandles="1" noChangeArrowheads="1" noChangeShapeType="1" noTextEdit="1"/>
+              </p:cNvSpPr>
+              <p:nvPr>
+                <p:ph idx="1"/>
+              </p:nvPr>
+            </p:nvSpPr>
+            <p:spPr>
+              <a:blipFill>
+                <a:blip r:embed="rId2"/>
+                <a:stretch>
+                  <a:fillRect l="-492" t="-813"/>
+                </a:stretch>
+              </a:blipFill>
+            </p:spPr>
+            <p:txBody>
+              <a:bodyPr/>
+              <a:lstStyle/>
+              <a:p>
+                <a:r>
+                  <a:rPr lang="en-US">
+                    <a:noFill/>
+                  </a:rPr>
+                  <a:t> </a:t>
+                </a:r>
+              </a:p>
+            </p:txBody>
+          </p:sp>
+        </mc:Fallback>
+      </mc:AlternateContent>
+    </p:spTree>
+    <p:extLst>
+      <p:ext uri="{BB962C8B-B14F-4D97-AF65-F5344CB8AC3E}">
+        <p14:creationId xmlns:p14="http://schemas.microsoft.com/office/powerpoint/2010/main" val="2190891269"/>
+      </p:ext>
+    </p:extLst>
+  </p:cSld>
+  <p:clrMapOvr>
+    <a:masterClrMapping/>
+  </p:clrMapOvr>
+</p:sld>
+</file>
+
+<file path=ppt/slides/slide4.xml><?xml version="1.0" encoding="utf-8"?>
+<p:sld xmlns:a="http://schemas.openxmlformats.org/drawingml/2006/main" xmlns:r="http://schemas.openxmlformats.org/officeDocument/2006/relationships" xmlns:p="http://schemas.openxmlformats.org/presentationml/2006/main">
+  <p:cSld>
+    <p:spTree>
+      <p:nvGrpSpPr>
+        <p:cNvPr id="1" name=""/>
+        <p:cNvGrpSpPr/>
+        <p:nvPr/>
+      </p:nvGrpSpPr>
+      <p:grpSpPr>
+        <a:xfrm>
+          <a:off x="0" y="0"/>
+          <a:ext cx="0" cy="0"/>
+          <a:chOff x="0" y="0"/>
+          <a:chExt cx="0" cy="0"/>
+        </a:xfrm>
+      </p:grpSpPr>
+      <p:sp>
+        <p:nvSpPr>
+          <p:cNvPr id="2" name="Title 1">
+            <a:extLst>
+              <a:ext uri="{FF2B5EF4-FFF2-40B4-BE49-F238E27FC236}">
                 <a16:creationId xmlns:a16="http://schemas.microsoft.com/office/drawing/2014/main" id="{F4E38497-0C93-8E48-B3B7-FE0428DF7DF4}"/>
               </a:ext>
             </a:extLst>
@@ -3418,7 +3760,7 @@
 </p:sld>
 </file>
 
-<file path=ppt/slides/slide3.xml><?xml version="1.0" encoding="utf-8"?>
+<file path=ppt/slides/slide5.xml><?xml version="1.0" encoding="utf-8"?>
 <p:sld xmlns:a="http://schemas.openxmlformats.org/drawingml/2006/main" xmlns:r="http://schemas.openxmlformats.org/officeDocument/2006/relationships" xmlns:p="http://schemas.openxmlformats.org/presentationml/2006/main">
   <p:cSld>
     <p:spTree>
@@ -4436,7 +4778,7 @@
 </p:sld>
 </file>
 
-<file path=ppt/slides/slide4.xml><?xml version="1.0" encoding="utf-8"?>
+<file path=ppt/slides/slide6.xml><?xml version="1.0" encoding="utf-8"?>
 <p:sld xmlns:a="http://schemas.openxmlformats.org/drawingml/2006/main" xmlns:r="http://schemas.openxmlformats.org/officeDocument/2006/relationships" xmlns:p="http://schemas.openxmlformats.org/presentationml/2006/main">
   <p:cSld>
     <p:spTree>
@@ -5233,7 +5575,7 @@
 </p:sld>
 </file>
 
-<file path=ppt/slides/slide5.xml><?xml version="1.0" encoding="utf-8"?>
+<file path=ppt/slides/slide7.xml><?xml version="1.0" encoding="utf-8"?>
 <p:sld xmlns:a="http://schemas.openxmlformats.org/drawingml/2006/main" xmlns:r="http://schemas.openxmlformats.org/officeDocument/2006/relationships" xmlns:p="http://schemas.openxmlformats.org/presentationml/2006/main">
   <p:cSld>
     <p:spTree>
@@ -5702,7 +6044,7 @@
 </p:sld>
 </file>
 
-<file path=ppt/slides/slide6.xml><?xml version="1.0" encoding="utf-8"?>
+<file path=ppt/slides/slide8.xml><?xml version="1.0" encoding="utf-8"?>
 <p:sld xmlns:a="http://schemas.openxmlformats.org/drawingml/2006/main" xmlns:r="http://schemas.openxmlformats.org/officeDocument/2006/relationships" xmlns:p="http://schemas.openxmlformats.org/presentationml/2006/main">
   <p:cSld>
     <p:spTree>
@@ -5792,7 +6134,7 @@
 </p:sld>
 </file>
 
-<file path=ppt/slides/slide7.xml><?xml version="1.0" encoding="utf-8"?>
+<file path=ppt/slides/slide9.xml><?xml version="1.0" encoding="utf-8"?>
 <p:sld xmlns:a="http://schemas.openxmlformats.org/drawingml/2006/main" xmlns:r="http://schemas.openxmlformats.org/officeDocument/2006/relationships" xmlns:p="http://schemas.openxmlformats.org/presentationml/2006/main">
   <p:cSld>
     <p:spTree>
